--- a/ПрезентацияПоИгре.pptx
+++ b/ПрезентацияПоИгре.pptx
@@ -151,7 +151,8 @@
           <a:p>
             <a:fld id="{0954C0FD-69BF-4132-8666-FF5C9C482940}" type="datetimeFigureOut">
               <a:rPr lang="ru-RU" smtClean="0"/>
-              <a:t>01.02.2025</a:t>
+              <a:pPr/>
+              <a:t>04.02.2025</a:t>
             </a:fld>
             <a:endParaRPr lang="ru-RU"/>
           </a:p>
@@ -197,6 +198,7 @@
           <a:p>
             <a:fld id="{E4D6B1BF-D945-438C-BDAA-0064C9950A42}" type="slidenum">
               <a:rPr lang="ru-RU" smtClean="0"/>
+              <a:pPr/>
               <a:t>‹#›</a:t>
             </a:fld>
             <a:endParaRPr lang="ru-RU"/>
@@ -868,7 +870,8 @@
           <a:p>
             <a:fld id="{0954C0FD-69BF-4132-8666-FF5C9C482940}" type="datetimeFigureOut">
               <a:rPr lang="ru-RU" smtClean="0"/>
-              <a:t>01.02.2025</a:t>
+              <a:pPr/>
+              <a:t>04.02.2025</a:t>
             </a:fld>
             <a:endParaRPr lang="ru-RU"/>
           </a:p>
@@ -914,6 +917,7 @@
           <a:p>
             <a:fld id="{E4D6B1BF-D945-438C-BDAA-0064C9950A42}" type="slidenum">
               <a:rPr lang="ru-RU" smtClean="0"/>
+              <a:pPr/>
               <a:t>‹#›</a:t>
             </a:fld>
             <a:endParaRPr lang="ru-RU"/>
@@ -1053,7 +1057,8 @@
           <a:p>
             <a:fld id="{0954C0FD-69BF-4132-8666-FF5C9C482940}" type="datetimeFigureOut">
               <a:rPr lang="ru-RU" smtClean="0"/>
-              <a:t>01.02.2025</a:t>
+              <a:pPr/>
+              <a:t>04.02.2025</a:t>
             </a:fld>
             <a:endParaRPr lang="ru-RU"/>
           </a:p>
@@ -1099,6 +1104,7 @@
           <a:p>
             <a:fld id="{E4D6B1BF-D945-438C-BDAA-0064C9950A42}" type="slidenum">
               <a:rPr lang="ru-RU" smtClean="0"/>
+              <a:pPr/>
               <a:t>‹#›</a:t>
             </a:fld>
             <a:endParaRPr lang="ru-RU"/>
@@ -1228,7 +1234,8 @@
           <a:p>
             <a:fld id="{0954C0FD-69BF-4132-8666-FF5C9C482940}" type="datetimeFigureOut">
               <a:rPr lang="ru-RU" smtClean="0"/>
-              <a:t>01.02.2025</a:t>
+              <a:pPr/>
+              <a:t>04.02.2025</a:t>
             </a:fld>
             <a:endParaRPr lang="ru-RU"/>
           </a:p>
@@ -1274,6 +1281,7 @@
           <a:p>
             <a:fld id="{E4D6B1BF-D945-438C-BDAA-0064C9950A42}" type="slidenum">
               <a:rPr lang="ru-RU" smtClean="0"/>
+              <a:pPr/>
               <a:t>‹#›</a:t>
             </a:fld>
             <a:endParaRPr lang="ru-RU"/>
@@ -2711,7 +2719,8 @@
           <a:p>
             <a:fld id="{0954C0FD-69BF-4132-8666-FF5C9C482940}" type="datetimeFigureOut">
               <a:rPr lang="ru-RU" smtClean="0"/>
-              <a:t>01.02.2025</a:t>
+              <a:pPr/>
+              <a:t>04.02.2025</a:t>
             </a:fld>
             <a:endParaRPr lang="ru-RU"/>
           </a:p>
@@ -2757,6 +2766,7 @@
           <a:p>
             <a:fld id="{E4D6B1BF-D945-438C-BDAA-0064C9950A42}" type="slidenum">
               <a:rPr lang="ru-RU" smtClean="0"/>
+              <a:pPr/>
               <a:t>‹#›</a:t>
             </a:fld>
             <a:endParaRPr lang="ru-RU"/>
@@ -3311,7 +3321,8 @@
           <a:p>
             <a:fld id="{0954C0FD-69BF-4132-8666-FF5C9C482940}" type="datetimeFigureOut">
               <a:rPr lang="ru-RU" smtClean="0"/>
-              <a:t>01.02.2025</a:t>
+              <a:pPr/>
+              <a:t>04.02.2025</a:t>
             </a:fld>
             <a:endParaRPr lang="ru-RU"/>
           </a:p>
@@ -3357,6 +3368,7 @@
           <a:p>
             <a:fld id="{E4D6B1BF-D945-438C-BDAA-0064C9950A42}" type="slidenum">
               <a:rPr lang="ru-RU" smtClean="0"/>
+              <a:pPr/>
               <a:t>‹#›</a:t>
             </a:fld>
             <a:endParaRPr lang="ru-RU"/>
@@ -3748,7 +3760,8 @@
           <a:p>
             <a:fld id="{0954C0FD-69BF-4132-8666-FF5C9C482940}" type="datetimeFigureOut">
               <a:rPr lang="ru-RU" smtClean="0"/>
-              <a:t>01.02.2025</a:t>
+              <a:pPr/>
+              <a:t>04.02.2025</a:t>
             </a:fld>
             <a:endParaRPr lang="ru-RU"/>
           </a:p>
@@ -3794,6 +3807,7 @@
           <a:p>
             <a:fld id="{E4D6B1BF-D945-438C-BDAA-0064C9950A42}" type="slidenum">
               <a:rPr lang="ru-RU" smtClean="0"/>
+              <a:pPr/>
               <a:t>‹#›</a:t>
             </a:fld>
             <a:endParaRPr lang="ru-RU"/>
@@ -4309,7 +4323,8 @@
           <a:p>
             <a:fld id="{0954C0FD-69BF-4132-8666-FF5C9C482940}" type="datetimeFigureOut">
               <a:rPr lang="ru-RU" smtClean="0"/>
-              <a:t>01.02.2025</a:t>
+              <a:pPr/>
+              <a:t>04.02.2025</a:t>
             </a:fld>
             <a:endParaRPr lang="ru-RU"/>
           </a:p>
@@ -4355,6 +4370,7 @@
           <a:p>
             <a:fld id="{E4D6B1BF-D945-438C-BDAA-0064C9950A42}" type="slidenum">
               <a:rPr lang="ru-RU" smtClean="0"/>
+              <a:pPr/>
               <a:t>‹#›</a:t>
             </a:fld>
             <a:endParaRPr lang="ru-RU"/>
@@ -4405,7 +4421,8 @@
           <a:p>
             <a:fld id="{0954C0FD-69BF-4132-8666-FF5C9C482940}" type="datetimeFigureOut">
               <a:rPr lang="ru-RU" smtClean="0"/>
-              <a:t>01.02.2025</a:t>
+              <a:pPr/>
+              <a:t>04.02.2025</a:t>
             </a:fld>
             <a:endParaRPr lang="ru-RU"/>
           </a:p>
@@ -4451,6 +4468,7 @@
           <a:p>
             <a:fld id="{E4D6B1BF-D945-438C-BDAA-0064C9950A42}" type="slidenum">
               <a:rPr lang="ru-RU" smtClean="0"/>
+              <a:pPr/>
               <a:t>‹#›</a:t>
             </a:fld>
             <a:endParaRPr lang="ru-RU"/>
@@ -4659,7 +4677,8 @@
           <a:p>
             <a:fld id="{0954C0FD-69BF-4132-8666-FF5C9C482940}" type="datetimeFigureOut">
               <a:rPr lang="ru-RU" smtClean="0"/>
-              <a:t>01.02.2025</a:t>
+              <a:pPr/>
+              <a:t>04.02.2025</a:t>
             </a:fld>
             <a:endParaRPr lang="ru-RU"/>
           </a:p>
@@ -4705,6 +4724,7 @@
           <a:p>
             <a:fld id="{E4D6B1BF-D945-438C-BDAA-0064C9950A42}" type="slidenum">
               <a:rPr lang="ru-RU" smtClean="0"/>
+              <a:pPr/>
               <a:t>‹#›</a:t>
             </a:fld>
             <a:endParaRPr lang="ru-RU"/>
@@ -5380,7 +5400,8 @@
           <a:p>
             <a:fld id="{0954C0FD-69BF-4132-8666-FF5C9C482940}" type="datetimeFigureOut">
               <a:rPr lang="ru-RU" smtClean="0"/>
-              <a:t>01.02.2025</a:t>
+              <a:pPr/>
+              <a:t>04.02.2025</a:t>
             </a:fld>
             <a:endParaRPr lang="ru-RU"/>
           </a:p>
@@ -5436,6 +5457,7 @@
           <a:p>
             <a:fld id="{E4D6B1BF-D945-438C-BDAA-0064C9950A42}" type="slidenum">
               <a:rPr lang="ru-RU" smtClean="0"/>
+              <a:pPr/>
               <a:t>‹#›</a:t>
             </a:fld>
             <a:endParaRPr lang="ru-RU"/>
@@ -6053,7 +6075,8 @@
           <a:p>
             <a:fld id="{0954C0FD-69BF-4132-8666-FF5C9C482940}" type="datetimeFigureOut">
               <a:rPr lang="ru-RU" smtClean="0"/>
-              <a:t>01.02.2025</a:t>
+              <a:pPr/>
+              <a:t>04.02.2025</a:t>
             </a:fld>
             <a:endParaRPr lang="ru-RU"/>
           </a:p>
@@ -6129,6 +6152,7 @@
           <a:p>
             <a:fld id="{E4D6B1BF-D945-438C-BDAA-0064C9950A42}" type="slidenum">
               <a:rPr lang="ru-RU" smtClean="0"/>
+              <a:pPr/>
               <a:t>‹#›</a:t>
             </a:fld>
             <a:endParaRPr lang="ru-RU"/>
@@ -6519,6 +6543,13 @@
   <p:clrMapOvr>
     <a:masterClrMapping/>
   </p:clrMapOvr>
+  <p:timing>
+    <p:tnLst>
+      <p:par>
+        <p:cTn id="1" dur="indefinite" restart="never" nodeType="tmRoot"/>
+      </p:par>
+    </p:tnLst>
+  </p:timing>
 </p:sld>
 </file>
 
@@ -6587,8 +6618,21 @@
             </a:r>
             <a:r>
               <a:rPr lang="ru-RU" dirty="0" smtClean="0"/>
-              <a:t> от вражеских пуль и одновременно убивать врагов.</a:t>
-            </a:r>
+              <a:t> от вражеских пуль </a:t>
+            </a:r>
+            <a:r>
+              <a:rPr lang="ru-RU" dirty="0" smtClean="0"/>
+              <a:t>и врагов  </a:t>
+            </a:r>
+            <a:r>
+              <a:rPr lang="ru-RU" dirty="0" smtClean="0"/>
+              <a:t>убивая их</a:t>
+            </a:r>
+            <a:r>
+              <a:rPr lang="en-US" dirty="0" smtClean="0"/>
+              <a:t>.</a:t>
+            </a:r>
+            <a:endParaRPr lang="ru-RU" dirty="0" smtClean="0"/>
           </a:p>
           <a:p>
             <a:r>
@@ -6604,6 +6648,13 @@
   <p:clrMapOvr>
     <a:masterClrMapping/>
   </p:clrMapOvr>
+  <p:timing>
+    <p:tnLst>
+      <p:par>
+        <p:cTn id="1" dur="indefinite" restart="never" nodeType="tmRoot"/>
+      </p:par>
+    </p:tnLst>
+  </p:timing>
 </p:sld>
 </file>
 
@@ -6725,6 +6776,13 @@
   <p:clrMapOvr>
     <a:masterClrMapping/>
   </p:clrMapOvr>
+  <p:timing>
+    <p:tnLst>
+      <p:par>
+        <p:cTn id="1" dur="indefinite" restart="never" nodeType="tmRoot"/>
+      </p:par>
+    </p:tnLst>
+  </p:timing>
 </p:sld>
 </file>
 
@@ -6808,6 +6866,13 @@
   <p:clrMapOvr>
     <a:masterClrMapping/>
   </p:clrMapOvr>
+  <p:timing>
+    <p:tnLst>
+      <p:par>
+        <p:cTn id="1" dur="indefinite" restart="never" nodeType="tmRoot"/>
+      </p:par>
+    </p:tnLst>
+  </p:timing>
 </p:sld>
 </file>
 
@@ -6915,6 +6980,13 @@
   <p:clrMapOvr>
     <a:masterClrMapping/>
   </p:clrMapOvr>
+  <p:timing>
+    <p:tnLst>
+      <p:par>
+        <p:cTn id="1" dur="indefinite" restart="never" nodeType="tmRoot"/>
+      </p:par>
+    </p:tnLst>
+  </p:timing>
 </p:sld>
 </file>
 
@@ -7141,13 +7213,8 @@
             </a:r>
             <a:r>
               <a:rPr lang="ru-RU" dirty="0" smtClean="0"/>
-              <a:t>" восстанавливает здоровье после игрового </a:t>
-            </a:r>
-            <a:r>
-              <a:rPr lang="ru-RU" dirty="0" smtClean="0"/>
-              <a:t>сеанса</a:t>
-            </a:r>
-            <a:endParaRPr lang="ru-RU" dirty="0" smtClean="0"/>
+              <a:t>" восстанавливает здоровье после игрового сеанса</a:t>
+            </a:r>
           </a:p>
         </p:txBody>
       </p:sp>
@@ -7156,6 +7223,13 @@
   <p:clrMapOvr>
     <a:masterClrMapping/>
   </p:clrMapOvr>
+  <p:timing>
+    <p:tnLst>
+      <p:par>
+        <p:cTn id="1" dur="indefinite" restart="never" nodeType="tmRoot"/>
+      </p:par>
+    </p:tnLst>
+  </p:timing>
 </p:sld>
 </file>
 
@@ -7410,6 +7484,13 @@
   <p:clrMapOvr>
     <a:masterClrMapping/>
   </p:clrMapOvr>
+  <p:timing>
+    <p:tnLst>
+      <p:par>
+        <p:cTn id="1" dur="indefinite" restart="never" nodeType="tmRoot"/>
+      </p:par>
+    </p:tnLst>
+  </p:timing>
 </p:sld>
 </file>
 
@@ -7691,6 +7772,13 @@
   <p:clrMapOvr>
     <a:masterClrMapping/>
   </p:clrMapOvr>
+  <p:timing>
+    <p:tnLst>
+      <p:par>
+        <p:cTn id="1" dur="indefinite" restart="never" nodeType="tmRoot"/>
+      </p:par>
+    </p:tnLst>
+  </p:timing>
 </p:sld>
 </file>
 
@@ -7930,6 +8018,13 @@
   <p:clrMapOvr>
     <a:masterClrMapping/>
   </p:clrMapOvr>
+  <p:timing>
+    <p:tnLst>
+      <p:par>
+        <p:cTn id="1" dur="indefinite" restart="never" nodeType="tmRoot"/>
+      </p:par>
+    </p:tnLst>
+  </p:timing>
 </p:sld>
 </file>
 
